--- a/ppt 16-9/0628.我已经懂得怎样.pptx
+++ b/ppt 16-9/0628.我已经懂得怎样.pptx
@@ -5,7 +5,7 @@
     <p:sldMasterId id="2147483648" r:id="rId1"/>
   </p:sldMasterIdLst>
   <p:sldIdLst>
-    <p:sldId id="2423" r:id="rId2"/>
+    <p:sldId id="2424" r:id="rId2"/>
   </p:sldIdLst>
   <p:sldSz cx="12192000" cy="6858000"/>
   <p:notesSz cx="6858000" cy="9144000"/>
@@ -129,7 +129,7 @@
           <p:cNvPr id="2" name="标题 1">
             <a:extLst>
               <a:ext uri="{FF2B5EF4-FFF2-40B4-BE49-F238E27FC236}">
-                <a16:creationId xmlns:a16="http://schemas.microsoft.com/office/drawing/2014/main" id="{D946BBB0-7A1A-7471-EAC4-758BFDBE5336}"/>
+                <a16:creationId xmlns:a16="http://schemas.microsoft.com/office/drawing/2014/main" id="{78A4A901-CF36-C785-F67C-B98225B808B4}"/>
               </a:ext>
             </a:extLst>
           </p:cNvPr>
@@ -166,7 +166,7 @@
           <p:cNvPr id="3" name="副标题 2">
             <a:extLst>
               <a:ext uri="{FF2B5EF4-FFF2-40B4-BE49-F238E27FC236}">
-                <a16:creationId xmlns:a16="http://schemas.microsoft.com/office/drawing/2014/main" id="{1C719286-75E9-2234-1D20-DD0D470CD77D}"/>
+                <a16:creationId xmlns:a16="http://schemas.microsoft.com/office/drawing/2014/main" id="{6A2B6A00-CA5D-75C2-56DF-8C67ECF7DB55}"/>
               </a:ext>
             </a:extLst>
           </p:cNvPr>
@@ -236,7 +236,7 @@
           <p:cNvPr id="4" name="日期占位符 3">
             <a:extLst>
               <a:ext uri="{FF2B5EF4-FFF2-40B4-BE49-F238E27FC236}">
-                <a16:creationId xmlns:a16="http://schemas.microsoft.com/office/drawing/2014/main" id="{FBA39FF4-67B4-3B98-1570-A65B9BBC067E}"/>
+                <a16:creationId xmlns:a16="http://schemas.microsoft.com/office/drawing/2014/main" id="{58CDDFAF-D8B7-F40F-1E9B-8112F2D7C29A}"/>
               </a:ext>
             </a:extLst>
           </p:cNvPr>
@@ -252,7 +252,7 @@
           <a:bodyPr/>
           <a:lstStyle/>
           <a:p>
-            <a:fld id="{31FAEC59-F319-4FAE-99E9-4F6EC4CBD02E}" type="datetimeFigureOut">
+            <a:fld id="{4C0F0EFD-7DD5-4CF4-8838-D33DF90C020D}" type="datetimeFigureOut">
               <a:rPr lang="zh-CN" altLang="en-US" smtClean="0"/>
               <a:t>2024/3/10</a:t>
             </a:fld>
@@ -265,7 +265,7 @@
           <p:cNvPr id="5" name="页脚占位符 4">
             <a:extLst>
               <a:ext uri="{FF2B5EF4-FFF2-40B4-BE49-F238E27FC236}">
-                <a16:creationId xmlns:a16="http://schemas.microsoft.com/office/drawing/2014/main" id="{54289187-811A-05A7-A67B-B6C9973D6F28}"/>
+                <a16:creationId xmlns:a16="http://schemas.microsoft.com/office/drawing/2014/main" id="{07EBEE91-D86E-7F1C-D56A-7455E2169CBF}"/>
               </a:ext>
             </a:extLst>
           </p:cNvPr>
@@ -290,7 +290,7 @@
           <p:cNvPr id="6" name="灯片编号占位符 5">
             <a:extLst>
               <a:ext uri="{FF2B5EF4-FFF2-40B4-BE49-F238E27FC236}">
-                <a16:creationId xmlns:a16="http://schemas.microsoft.com/office/drawing/2014/main" id="{4E0E7BD4-909D-A2EE-C04D-32371545301F}"/>
+                <a16:creationId xmlns:a16="http://schemas.microsoft.com/office/drawing/2014/main" id="{727D084E-9CBC-9FE6-10E1-35D9119C7D50}"/>
               </a:ext>
             </a:extLst>
           </p:cNvPr>
@@ -306,7 +306,7 @@
           <a:bodyPr/>
           <a:lstStyle/>
           <a:p>
-            <a:fld id="{22975278-8A36-4E4E-9890-3A05B9181D14}" type="slidenum">
+            <a:fld id="{922D7628-275E-4E26-842C-76CE4DA70223}" type="slidenum">
               <a:rPr lang="zh-CN" altLang="en-US" smtClean="0"/>
               <a:t>‹#›</a:t>
             </a:fld>
@@ -317,7 +317,7 @@
     </p:spTree>
     <p:extLst>
       <p:ext uri="{BB962C8B-B14F-4D97-AF65-F5344CB8AC3E}">
-        <p14:creationId xmlns:p14="http://schemas.microsoft.com/office/powerpoint/2010/main" val="3702850148"/>
+        <p14:creationId xmlns:p14="http://schemas.microsoft.com/office/powerpoint/2010/main" val="4293930921"/>
       </p:ext>
     </p:extLst>
   </p:cSld>
@@ -349,7 +349,7 @@
           <p:cNvPr id="2" name="标题 1">
             <a:extLst>
               <a:ext uri="{FF2B5EF4-FFF2-40B4-BE49-F238E27FC236}">
-                <a16:creationId xmlns:a16="http://schemas.microsoft.com/office/drawing/2014/main" id="{976A418B-F394-5CDE-D915-68DD12C2E21E}"/>
+                <a16:creationId xmlns:a16="http://schemas.microsoft.com/office/drawing/2014/main" id="{8815811D-C1C1-CC6C-8D4C-060FC447371C}"/>
               </a:ext>
             </a:extLst>
           </p:cNvPr>
@@ -377,7 +377,7 @@
           <p:cNvPr id="3" name="竖排文字占位符 2">
             <a:extLst>
               <a:ext uri="{FF2B5EF4-FFF2-40B4-BE49-F238E27FC236}">
-                <a16:creationId xmlns:a16="http://schemas.microsoft.com/office/drawing/2014/main" id="{E6B2F774-6CA4-355D-888E-8E10A984A50B}"/>
+                <a16:creationId xmlns:a16="http://schemas.microsoft.com/office/drawing/2014/main" id="{036E8FA6-6B5C-5E53-26AB-DA64DA8C9DE4}"/>
               </a:ext>
             </a:extLst>
           </p:cNvPr>
@@ -434,7 +434,7 @@
           <p:cNvPr id="4" name="日期占位符 3">
             <a:extLst>
               <a:ext uri="{FF2B5EF4-FFF2-40B4-BE49-F238E27FC236}">
-                <a16:creationId xmlns:a16="http://schemas.microsoft.com/office/drawing/2014/main" id="{A0533D00-7188-5F6F-BAC7-7D1DAC0B191D}"/>
+                <a16:creationId xmlns:a16="http://schemas.microsoft.com/office/drawing/2014/main" id="{D936FE80-E659-E5EE-8582-D4BFFB514DE8}"/>
               </a:ext>
             </a:extLst>
           </p:cNvPr>
@@ -450,7 +450,7 @@
           <a:bodyPr/>
           <a:lstStyle/>
           <a:p>
-            <a:fld id="{31FAEC59-F319-4FAE-99E9-4F6EC4CBD02E}" type="datetimeFigureOut">
+            <a:fld id="{4C0F0EFD-7DD5-4CF4-8838-D33DF90C020D}" type="datetimeFigureOut">
               <a:rPr lang="zh-CN" altLang="en-US" smtClean="0"/>
               <a:t>2024/3/10</a:t>
             </a:fld>
@@ -463,7 +463,7 @@
           <p:cNvPr id="5" name="页脚占位符 4">
             <a:extLst>
               <a:ext uri="{FF2B5EF4-FFF2-40B4-BE49-F238E27FC236}">
-                <a16:creationId xmlns:a16="http://schemas.microsoft.com/office/drawing/2014/main" id="{266E08D5-D3D2-51E3-60D0-A31042A8FFD1}"/>
+                <a16:creationId xmlns:a16="http://schemas.microsoft.com/office/drawing/2014/main" id="{72BC6B84-8E6F-4DE5-2019-A0E65ACCC090}"/>
               </a:ext>
             </a:extLst>
           </p:cNvPr>
@@ -488,7 +488,7 @@
           <p:cNvPr id="6" name="灯片编号占位符 5">
             <a:extLst>
               <a:ext uri="{FF2B5EF4-FFF2-40B4-BE49-F238E27FC236}">
-                <a16:creationId xmlns:a16="http://schemas.microsoft.com/office/drawing/2014/main" id="{F7B72B7E-2662-D6AC-4449-9CEC00C76642}"/>
+                <a16:creationId xmlns:a16="http://schemas.microsoft.com/office/drawing/2014/main" id="{0A304E79-4102-FE31-E614-BF5D424DDB19}"/>
               </a:ext>
             </a:extLst>
           </p:cNvPr>
@@ -504,7 +504,7 @@
           <a:bodyPr/>
           <a:lstStyle/>
           <a:p>
-            <a:fld id="{22975278-8A36-4E4E-9890-3A05B9181D14}" type="slidenum">
+            <a:fld id="{922D7628-275E-4E26-842C-76CE4DA70223}" type="slidenum">
               <a:rPr lang="zh-CN" altLang="en-US" smtClean="0"/>
               <a:t>‹#›</a:t>
             </a:fld>
@@ -515,7 +515,7 @@
     </p:spTree>
     <p:extLst>
       <p:ext uri="{BB962C8B-B14F-4D97-AF65-F5344CB8AC3E}">
-        <p14:creationId xmlns:p14="http://schemas.microsoft.com/office/powerpoint/2010/main" val="4158780603"/>
+        <p14:creationId xmlns:p14="http://schemas.microsoft.com/office/powerpoint/2010/main" val="4169552099"/>
       </p:ext>
     </p:extLst>
   </p:cSld>
@@ -547,7 +547,7 @@
           <p:cNvPr id="2" name="竖排标题 1">
             <a:extLst>
               <a:ext uri="{FF2B5EF4-FFF2-40B4-BE49-F238E27FC236}">
-                <a16:creationId xmlns:a16="http://schemas.microsoft.com/office/drawing/2014/main" id="{397C34AC-88C5-1CB6-6209-1F606DA8D686}"/>
+                <a16:creationId xmlns:a16="http://schemas.microsoft.com/office/drawing/2014/main" id="{ACDBE6A6-3D96-4EB7-5F58-E54AD1E0F824}"/>
               </a:ext>
             </a:extLst>
           </p:cNvPr>
@@ -580,7 +580,7 @@
           <p:cNvPr id="3" name="竖排文字占位符 2">
             <a:extLst>
               <a:ext uri="{FF2B5EF4-FFF2-40B4-BE49-F238E27FC236}">
-                <a16:creationId xmlns:a16="http://schemas.microsoft.com/office/drawing/2014/main" id="{019AF4F2-57B1-AADB-9208-F2878742629F}"/>
+                <a16:creationId xmlns:a16="http://schemas.microsoft.com/office/drawing/2014/main" id="{970A422F-0C72-6823-9D94-E14FFA4BC8A0}"/>
               </a:ext>
             </a:extLst>
           </p:cNvPr>
@@ -642,7 +642,7 @@
           <p:cNvPr id="4" name="日期占位符 3">
             <a:extLst>
               <a:ext uri="{FF2B5EF4-FFF2-40B4-BE49-F238E27FC236}">
-                <a16:creationId xmlns:a16="http://schemas.microsoft.com/office/drawing/2014/main" id="{F81FE9DB-F15A-773F-9D6C-34BEBDC0EB3D}"/>
+                <a16:creationId xmlns:a16="http://schemas.microsoft.com/office/drawing/2014/main" id="{750DC525-A03A-E10C-6220-24C4E44E2B8A}"/>
               </a:ext>
             </a:extLst>
           </p:cNvPr>
@@ -658,7 +658,7 @@
           <a:bodyPr/>
           <a:lstStyle/>
           <a:p>
-            <a:fld id="{31FAEC59-F319-4FAE-99E9-4F6EC4CBD02E}" type="datetimeFigureOut">
+            <a:fld id="{4C0F0EFD-7DD5-4CF4-8838-D33DF90C020D}" type="datetimeFigureOut">
               <a:rPr lang="zh-CN" altLang="en-US" smtClean="0"/>
               <a:t>2024/3/10</a:t>
             </a:fld>
@@ -671,7 +671,7 @@
           <p:cNvPr id="5" name="页脚占位符 4">
             <a:extLst>
               <a:ext uri="{FF2B5EF4-FFF2-40B4-BE49-F238E27FC236}">
-                <a16:creationId xmlns:a16="http://schemas.microsoft.com/office/drawing/2014/main" id="{332F9599-13A3-1ACA-0EBC-7A0FEAB60565}"/>
+                <a16:creationId xmlns:a16="http://schemas.microsoft.com/office/drawing/2014/main" id="{B0248182-31F5-8C1F-3979-475505D9CBBE}"/>
               </a:ext>
             </a:extLst>
           </p:cNvPr>
@@ -696,7 +696,7 @@
           <p:cNvPr id="6" name="灯片编号占位符 5">
             <a:extLst>
               <a:ext uri="{FF2B5EF4-FFF2-40B4-BE49-F238E27FC236}">
-                <a16:creationId xmlns:a16="http://schemas.microsoft.com/office/drawing/2014/main" id="{C0FB5AB8-E10E-6265-DFF1-C7CFAF6162CC}"/>
+                <a16:creationId xmlns:a16="http://schemas.microsoft.com/office/drawing/2014/main" id="{7617303D-A458-83C5-826B-C6D41BAADF5F}"/>
               </a:ext>
             </a:extLst>
           </p:cNvPr>
@@ -712,7 +712,7 @@
           <a:bodyPr/>
           <a:lstStyle/>
           <a:p>
-            <a:fld id="{22975278-8A36-4E4E-9890-3A05B9181D14}" type="slidenum">
+            <a:fld id="{922D7628-275E-4E26-842C-76CE4DA70223}" type="slidenum">
               <a:rPr lang="zh-CN" altLang="en-US" smtClean="0"/>
               <a:t>‹#›</a:t>
             </a:fld>
@@ -723,7 +723,7 @@
     </p:spTree>
     <p:extLst>
       <p:ext uri="{BB962C8B-B14F-4D97-AF65-F5344CB8AC3E}">
-        <p14:creationId xmlns:p14="http://schemas.microsoft.com/office/powerpoint/2010/main" val="48597664"/>
+        <p14:creationId xmlns:p14="http://schemas.microsoft.com/office/powerpoint/2010/main" val="1126283218"/>
       </p:ext>
     </p:extLst>
   </p:cSld>
@@ -755,7 +755,7 @@
           <p:cNvPr id="2" name="标题 1">
             <a:extLst>
               <a:ext uri="{FF2B5EF4-FFF2-40B4-BE49-F238E27FC236}">
-                <a16:creationId xmlns:a16="http://schemas.microsoft.com/office/drawing/2014/main" id="{594FB457-8844-7D91-3969-07058753D557}"/>
+                <a16:creationId xmlns:a16="http://schemas.microsoft.com/office/drawing/2014/main" id="{E19762F2-D886-8B97-0E05-B1280E905629}"/>
               </a:ext>
             </a:extLst>
           </p:cNvPr>
@@ -783,7 +783,7 @@
           <p:cNvPr id="3" name="内容占位符 2">
             <a:extLst>
               <a:ext uri="{FF2B5EF4-FFF2-40B4-BE49-F238E27FC236}">
-                <a16:creationId xmlns:a16="http://schemas.microsoft.com/office/drawing/2014/main" id="{548079D2-AB8E-07B3-550D-A68C8F75BDE5}"/>
+                <a16:creationId xmlns:a16="http://schemas.microsoft.com/office/drawing/2014/main" id="{82258749-5FA6-593D-0239-7A9DD648E2C4}"/>
               </a:ext>
             </a:extLst>
           </p:cNvPr>
@@ -840,7 +840,7 @@
           <p:cNvPr id="4" name="日期占位符 3">
             <a:extLst>
               <a:ext uri="{FF2B5EF4-FFF2-40B4-BE49-F238E27FC236}">
-                <a16:creationId xmlns:a16="http://schemas.microsoft.com/office/drawing/2014/main" id="{95106B2E-A8C4-79B0-89C4-E7A3BD89A526}"/>
+                <a16:creationId xmlns:a16="http://schemas.microsoft.com/office/drawing/2014/main" id="{58FCB4A1-C39E-1CDB-2E56-20C88A5216D0}"/>
               </a:ext>
             </a:extLst>
           </p:cNvPr>
@@ -856,7 +856,7 @@
           <a:bodyPr/>
           <a:lstStyle/>
           <a:p>
-            <a:fld id="{31FAEC59-F319-4FAE-99E9-4F6EC4CBD02E}" type="datetimeFigureOut">
+            <a:fld id="{4C0F0EFD-7DD5-4CF4-8838-D33DF90C020D}" type="datetimeFigureOut">
               <a:rPr lang="zh-CN" altLang="en-US" smtClean="0"/>
               <a:t>2024/3/10</a:t>
             </a:fld>
@@ -869,7 +869,7 @@
           <p:cNvPr id="5" name="页脚占位符 4">
             <a:extLst>
               <a:ext uri="{FF2B5EF4-FFF2-40B4-BE49-F238E27FC236}">
-                <a16:creationId xmlns:a16="http://schemas.microsoft.com/office/drawing/2014/main" id="{353C754C-A51C-18A3-4825-9BF073931128}"/>
+                <a16:creationId xmlns:a16="http://schemas.microsoft.com/office/drawing/2014/main" id="{88B63E3B-C59C-7DC4-BEAC-9AED46CB203F}"/>
               </a:ext>
             </a:extLst>
           </p:cNvPr>
@@ -894,7 +894,7 @@
           <p:cNvPr id="6" name="灯片编号占位符 5">
             <a:extLst>
               <a:ext uri="{FF2B5EF4-FFF2-40B4-BE49-F238E27FC236}">
-                <a16:creationId xmlns:a16="http://schemas.microsoft.com/office/drawing/2014/main" id="{3C7CB37B-C73A-698D-F3C1-70AB83A10B14}"/>
+                <a16:creationId xmlns:a16="http://schemas.microsoft.com/office/drawing/2014/main" id="{8F940790-E5FD-4FD7-B4C9-08595C88DEA0}"/>
               </a:ext>
             </a:extLst>
           </p:cNvPr>
@@ -910,7 +910,7 @@
           <a:bodyPr/>
           <a:lstStyle/>
           <a:p>
-            <a:fld id="{22975278-8A36-4E4E-9890-3A05B9181D14}" type="slidenum">
+            <a:fld id="{922D7628-275E-4E26-842C-76CE4DA70223}" type="slidenum">
               <a:rPr lang="zh-CN" altLang="en-US" smtClean="0"/>
               <a:t>‹#›</a:t>
             </a:fld>
@@ -921,7 +921,7 @@
     </p:spTree>
     <p:extLst>
       <p:ext uri="{BB962C8B-B14F-4D97-AF65-F5344CB8AC3E}">
-        <p14:creationId xmlns:p14="http://schemas.microsoft.com/office/powerpoint/2010/main" val="3902780472"/>
+        <p14:creationId xmlns:p14="http://schemas.microsoft.com/office/powerpoint/2010/main" val="1692991025"/>
       </p:ext>
     </p:extLst>
   </p:cSld>
@@ -953,7 +953,7 @@
           <p:cNvPr id="2" name="标题 1">
             <a:extLst>
               <a:ext uri="{FF2B5EF4-FFF2-40B4-BE49-F238E27FC236}">
-                <a16:creationId xmlns:a16="http://schemas.microsoft.com/office/drawing/2014/main" id="{CA30571A-8ED3-F333-6C09-1DF141E7B71C}"/>
+                <a16:creationId xmlns:a16="http://schemas.microsoft.com/office/drawing/2014/main" id="{0ACFE266-B3DC-569C-F027-2C910399AF05}"/>
               </a:ext>
             </a:extLst>
           </p:cNvPr>
@@ -990,7 +990,7 @@
           <p:cNvPr id="3" name="文本占位符 2">
             <a:extLst>
               <a:ext uri="{FF2B5EF4-FFF2-40B4-BE49-F238E27FC236}">
-                <a16:creationId xmlns:a16="http://schemas.microsoft.com/office/drawing/2014/main" id="{B5E0963B-761C-4549-93FC-431330C98920}"/>
+                <a16:creationId xmlns:a16="http://schemas.microsoft.com/office/drawing/2014/main" id="{005C882F-9197-7796-EA13-E249EA48DCEB}"/>
               </a:ext>
             </a:extLst>
           </p:cNvPr>
@@ -1115,7 +1115,7 @@
           <p:cNvPr id="4" name="日期占位符 3">
             <a:extLst>
               <a:ext uri="{FF2B5EF4-FFF2-40B4-BE49-F238E27FC236}">
-                <a16:creationId xmlns:a16="http://schemas.microsoft.com/office/drawing/2014/main" id="{30A260B5-1AFD-2462-2964-2B16A9D655E9}"/>
+                <a16:creationId xmlns:a16="http://schemas.microsoft.com/office/drawing/2014/main" id="{4EEFB37C-FD04-5A51-2564-278CCE076800}"/>
               </a:ext>
             </a:extLst>
           </p:cNvPr>
@@ -1131,7 +1131,7 @@
           <a:bodyPr/>
           <a:lstStyle/>
           <a:p>
-            <a:fld id="{31FAEC59-F319-4FAE-99E9-4F6EC4CBD02E}" type="datetimeFigureOut">
+            <a:fld id="{4C0F0EFD-7DD5-4CF4-8838-D33DF90C020D}" type="datetimeFigureOut">
               <a:rPr lang="zh-CN" altLang="en-US" smtClean="0"/>
               <a:t>2024/3/10</a:t>
             </a:fld>
@@ -1144,7 +1144,7 @@
           <p:cNvPr id="5" name="页脚占位符 4">
             <a:extLst>
               <a:ext uri="{FF2B5EF4-FFF2-40B4-BE49-F238E27FC236}">
-                <a16:creationId xmlns:a16="http://schemas.microsoft.com/office/drawing/2014/main" id="{1A0980EC-BB05-52C6-795F-B6B796C9B3E5}"/>
+                <a16:creationId xmlns:a16="http://schemas.microsoft.com/office/drawing/2014/main" id="{781E8BDD-695F-2D32-79EB-DABE02F0C323}"/>
               </a:ext>
             </a:extLst>
           </p:cNvPr>
@@ -1169,7 +1169,7 @@
           <p:cNvPr id="6" name="灯片编号占位符 5">
             <a:extLst>
               <a:ext uri="{FF2B5EF4-FFF2-40B4-BE49-F238E27FC236}">
-                <a16:creationId xmlns:a16="http://schemas.microsoft.com/office/drawing/2014/main" id="{4F880F55-E493-878E-608C-BB7B94DC93D8}"/>
+                <a16:creationId xmlns:a16="http://schemas.microsoft.com/office/drawing/2014/main" id="{A34EBEE4-5ACD-49DE-4330-460D98C1B3CE}"/>
               </a:ext>
             </a:extLst>
           </p:cNvPr>
@@ -1185,7 +1185,7 @@
           <a:bodyPr/>
           <a:lstStyle/>
           <a:p>
-            <a:fld id="{22975278-8A36-4E4E-9890-3A05B9181D14}" type="slidenum">
+            <a:fld id="{922D7628-275E-4E26-842C-76CE4DA70223}" type="slidenum">
               <a:rPr lang="zh-CN" altLang="en-US" smtClean="0"/>
               <a:t>‹#›</a:t>
             </a:fld>
@@ -1196,7 +1196,7 @@
     </p:spTree>
     <p:extLst>
       <p:ext uri="{BB962C8B-B14F-4D97-AF65-F5344CB8AC3E}">
-        <p14:creationId xmlns:p14="http://schemas.microsoft.com/office/powerpoint/2010/main" val="4281742396"/>
+        <p14:creationId xmlns:p14="http://schemas.microsoft.com/office/powerpoint/2010/main" val="304983407"/>
       </p:ext>
     </p:extLst>
   </p:cSld>
@@ -1228,7 +1228,7 @@
           <p:cNvPr id="2" name="标题 1">
             <a:extLst>
               <a:ext uri="{FF2B5EF4-FFF2-40B4-BE49-F238E27FC236}">
-                <a16:creationId xmlns:a16="http://schemas.microsoft.com/office/drawing/2014/main" id="{E1509B9D-8D3C-F9BE-BC64-90E8360D7243}"/>
+                <a16:creationId xmlns:a16="http://schemas.microsoft.com/office/drawing/2014/main" id="{F11A6282-252C-D553-B725-796747593D4D}"/>
               </a:ext>
             </a:extLst>
           </p:cNvPr>
@@ -1256,7 +1256,7 @@
           <p:cNvPr id="3" name="内容占位符 2">
             <a:extLst>
               <a:ext uri="{FF2B5EF4-FFF2-40B4-BE49-F238E27FC236}">
-                <a16:creationId xmlns:a16="http://schemas.microsoft.com/office/drawing/2014/main" id="{5DEEB226-9827-697A-1196-A7AD083B8092}"/>
+                <a16:creationId xmlns:a16="http://schemas.microsoft.com/office/drawing/2014/main" id="{478005AC-202D-A0A1-D98D-539BCDB82CBA}"/>
               </a:ext>
             </a:extLst>
           </p:cNvPr>
@@ -1318,7 +1318,7 @@
           <p:cNvPr id="4" name="内容占位符 3">
             <a:extLst>
               <a:ext uri="{FF2B5EF4-FFF2-40B4-BE49-F238E27FC236}">
-                <a16:creationId xmlns:a16="http://schemas.microsoft.com/office/drawing/2014/main" id="{4EFC3DE2-2AB4-6130-C989-63971615632B}"/>
+                <a16:creationId xmlns:a16="http://schemas.microsoft.com/office/drawing/2014/main" id="{C539980C-C7D1-A035-857A-DC970A4E81B6}"/>
               </a:ext>
             </a:extLst>
           </p:cNvPr>
@@ -1380,7 +1380,7 @@
           <p:cNvPr id="5" name="日期占位符 4">
             <a:extLst>
               <a:ext uri="{FF2B5EF4-FFF2-40B4-BE49-F238E27FC236}">
-                <a16:creationId xmlns:a16="http://schemas.microsoft.com/office/drawing/2014/main" id="{9E0756BA-C172-3538-E36A-8D1B8D69EE85}"/>
+                <a16:creationId xmlns:a16="http://schemas.microsoft.com/office/drawing/2014/main" id="{EB71D4CB-2221-0AB3-C95E-A2B24E9F8805}"/>
               </a:ext>
             </a:extLst>
           </p:cNvPr>
@@ -1396,7 +1396,7 @@
           <a:bodyPr/>
           <a:lstStyle/>
           <a:p>
-            <a:fld id="{31FAEC59-F319-4FAE-99E9-4F6EC4CBD02E}" type="datetimeFigureOut">
+            <a:fld id="{4C0F0EFD-7DD5-4CF4-8838-D33DF90C020D}" type="datetimeFigureOut">
               <a:rPr lang="zh-CN" altLang="en-US" smtClean="0"/>
               <a:t>2024/3/10</a:t>
             </a:fld>
@@ -1409,7 +1409,7 @@
           <p:cNvPr id="6" name="页脚占位符 5">
             <a:extLst>
               <a:ext uri="{FF2B5EF4-FFF2-40B4-BE49-F238E27FC236}">
-                <a16:creationId xmlns:a16="http://schemas.microsoft.com/office/drawing/2014/main" id="{97E15729-5DED-48F3-0205-2ADA9D5AD6BF}"/>
+                <a16:creationId xmlns:a16="http://schemas.microsoft.com/office/drawing/2014/main" id="{434B8A71-CF9A-098F-AF07-ECCAD7666ED2}"/>
               </a:ext>
             </a:extLst>
           </p:cNvPr>
@@ -1434,7 +1434,7 @@
           <p:cNvPr id="7" name="灯片编号占位符 6">
             <a:extLst>
               <a:ext uri="{FF2B5EF4-FFF2-40B4-BE49-F238E27FC236}">
-                <a16:creationId xmlns:a16="http://schemas.microsoft.com/office/drawing/2014/main" id="{37323F25-F1A6-7A81-E493-502AA64094D3}"/>
+                <a16:creationId xmlns:a16="http://schemas.microsoft.com/office/drawing/2014/main" id="{AB446443-F3DB-B278-2AC8-D3099F64582C}"/>
               </a:ext>
             </a:extLst>
           </p:cNvPr>
@@ -1450,7 +1450,7 @@
           <a:bodyPr/>
           <a:lstStyle/>
           <a:p>
-            <a:fld id="{22975278-8A36-4E4E-9890-3A05B9181D14}" type="slidenum">
+            <a:fld id="{922D7628-275E-4E26-842C-76CE4DA70223}" type="slidenum">
               <a:rPr lang="zh-CN" altLang="en-US" smtClean="0"/>
               <a:t>‹#›</a:t>
             </a:fld>
@@ -1461,7 +1461,7 @@
     </p:spTree>
     <p:extLst>
       <p:ext uri="{BB962C8B-B14F-4D97-AF65-F5344CB8AC3E}">
-        <p14:creationId xmlns:p14="http://schemas.microsoft.com/office/powerpoint/2010/main" val="3464980808"/>
+        <p14:creationId xmlns:p14="http://schemas.microsoft.com/office/powerpoint/2010/main" val="2364289100"/>
       </p:ext>
     </p:extLst>
   </p:cSld>
@@ -1493,7 +1493,7 @@
           <p:cNvPr id="2" name="标题 1">
             <a:extLst>
               <a:ext uri="{FF2B5EF4-FFF2-40B4-BE49-F238E27FC236}">
-                <a16:creationId xmlns:a16="http://schemas.microsoft.com/office/drawing/2014/main" id="{A7035319-730F-DAF9-6056-C4564763F643}"/>
+                <a16:creationId xmlns:a16="http://schemas.microsoft.com/office/drawing/2014/main" id="{5893FB92-08C0-EAED-10D3-6FAA5B28EB19}"/>
               </a:ext>
             </a:extLst>
           </p:cNvPr>
@@ -1526,7 +1526,7 @@
           <p:cNvPr id="3" name="文本占位符 2">
             <a:extLst>
               <a:ext uri="{FF2B5EF4-FFF2-40B4-BE49-F238E27FC236}">
-                <a16:creationId xmlns:a16="http://schemas.microsoft.com/office/drawing/2014/main" id="{9F4973FA-D92C-EB4A-2640-93DC3CB87F5B}"/>
+                <a16:creationId xmlns:a16="http://schemas.microsoft.com/office/drawing/2014/main" id="{BF19B040-6684-2789-BB9F-2E45D61E7E26}"/>
               </a:ext>
             </a:extLst>
           </p:cNvPr>
@@ -1597,7 +1597,7 @@
           <p:cNvPr id="4" name="内容占位符 3">
             <a:extLst>
               <a:ext uri="{FF2B5EF4-FFF2-40B4-BE49-F238E27FC236}">
-                <a16:creationId xmlns:a16="http://schemas.microsoft.com/office/drawing/2014/main" id="{EEF5B7CA-5BBF-6D40-3DA5-B69A195F0B41}"/>
+                <a16:creationId xmlns:a16="http://schemas.microsoft.com/office/drawing/2014/main" id="{22B10F64-3824-AB45-0050-F637A41A6065}"/>
               </a:ext>
             </a:extLst>
           </p:cNvPr>
@@ -1659,7 +1659,7 @@
           <p:cNvPr id="5" name="文本占位符 4">
             <a:extLst>
               <a:ext uri="{FF2B5EF4-FFF2-40B4-BE49-F238E27FC236}">
-                <a16:creationId xmlns:a16="http://schemas.microsoft.com/office/drawing/2014/main" id="{C0C8E694-14A8-A5DD-8C31-DF4D4032C45C}"/>
+                <a16:creationId xmlns:a16="http://schemas.microsoft.com/office/drawing/2014/main" id="{831CC6F4-C8C5-97EE-86A5-B431AE7FB3C8}"/>
               </a:ext>
             </a:extLst>
           </p:cNvPr>
@@ -1730,7 +1730,7 @@
           <p:cNvPr id="6" name="内容占位符 5">
             <a:extLst>
               <a:ext uri="{FF2B5EF4-FFF2-40B4-BE49-F238E27FC236}">
-                <a16:creationId xmlns:a16="http://schemas.microsoft.com/office/drawing/2014/main" id="{4857A6C4-7692-C648-50AC-D4B08460D556}"/>
+                <a16:creationId xmlns:a16="http://schemas.microsoft.com/office/drawing/2014/main" id="{98E59C50-B026-85AB-6F7D-C6CE6B164ED0}"/>
               </a:ext>
             </a:extLst>
           </p:cNvPr>
@@ -1792,7 +1792,7 @@
           <p:cNvPr id="7" name="日期占位符 6">
             <a:extLst>
               <a:ext uri="{FF2B5EF4-FFF2-40B4-BE49-F238E27FC236}">
-                <a16:creationId xmlns:a16="http://schemas.microsoft.com/office/drawing/2014/main" id="{291DEFAE-E935-D93E-417E-C42399F6A655}"/>
+                <a16:creationId xmlns:a16="http://schemas.microsoft.com/office/drawing/2014/main" id="{502DC886-6A81-71A1-DA3D-482B0E5F7957}"/>
               </a:ext>
             </a:extLst>
           </p:cNvPr>
@@ -1808,7 +1808,7 @@
           <a:bodyPr/>
           <a:lstStyle/>
           <a:p>
-            <a:fld id="{31FAEC59-F319-4FAE-99E9-4F6EC4CBD02E}" type="datetimeFigureOut">
+            <a:fld id="{4C0F0EFD-7DD5-4CF4-8838-D33DF90C020D}" type="datetimeFigureOut">
               <a:rPr lang="zh-CN" altLang="en-US" smtClean="0"/>
               <a:t>2024/3/10</a:t>
             </a:fld>
@@ -1821,7 +1821,7 @@
           <p:cNvPr id="8" name="页脚占位符 7">
             <a:extLst>
               <a:ext uri="{FF2B5EF4-FFF2-40B4-BE49-F238E27FC236}">
-                <a16:creationId xmlns:a16="http://schemas.microsoft.com/office/drawing/2014/main" id="{CE07DB1E-52A5-09F2-CF04-D4298BAC9163}"/>
+                <a16:creationId xmlns:a16="http://schemas.microsoft.com/office/drawing/2014/main" id="{DDD96B44-63D7-3CE3-2AEB-5FD81C3BD5C1}"/>
               </a:ext>
             </a:extLst>
           </p:cNvPr>
@@ -1846,7 +1846,7 @@
           <p:cNvPr id="9" name="灯片编号占位符 8">
             <a:extLst>
               <a:ext uri="{FF2B5EF4-FFF2-40B4-BE49-F238E27FC236}">
-                <a16:creationId xmlns:a16="http://schemas.microsoft.com/office/drawing/2014/main" id="{D8F95214-4906-F89D-5F14-129A66E9CCAC}"/>
+                <a16:creationId xmlns:a16="http://schemas.microsoft.com/office/drawing/2014/main" id="{49D82EC2-5116-9491-2B13-0820038217BD}"/>
               </a:ext>
             </a:extLst>
           </p:cNvPr>
@@ -1862,7 +1862,7 @@
           <a:bodyPr/>
           <a:lstStyle/>
           <a:p>
-            <a:fld id="{22975278-8A36-4E4E-9890-3A05B9181D14}" type="slidenum">
+            <a:fld id="{922D7628-275E-4E26-842C-76CE4DA70223}" type="slidenum">
               <a:rPr lang="zh-CN" altLang="en-US" smtClean="0"/>
               <a:t>‹#›</a:t>
             </a:fld>
@@ -1873,7 +1873,7 @@
     </p:spTree>
     <p:extLst>
       <p:ext uri="{BB962C8B-B14F-4D97-AF65-F5344CB8AC3E}">
-        <p14:creationId xmlns:p14="http://schemas.microsoft.com/office/powerpoint/2010/main" val="1646701344"/>
+        <p14:creationId xmlns:p14="http://schemas.microsoft.com/office/powerpoint/2010/main" val="2436280011"/>
       </p:ext>
     </p:extLst>
   </p:cSld>
@@ -1905,7 +1905,7 @@
           <p:cNvPr id="2" name="标题 1">
             <a:extLst>
               <a:ext uri="{FF2B5EF4-FFF2-40B4-BE49-F238E27FC236}">
-                <a16:creationId xmlns:a16="http://schemas.microsoft.com/office/drawing/2014/main" id="{EF3FFE7F-60DF-B111-CDA8-CB8C7EB1F88F}"/>
+                <a16:creationId xmlns:a16="http://schemas.microsoft.com/office/drawing/2014/main" id="{D5229129-6686-4779-1CF4-E9909F6234FF}"/>
               </a:ext>
             </a:extLst>
           </p:cNvPr>
@@ -1933,7 +1933,7 @@
           <p:cNvPr id="3" name="日期占位符 2">
             <a:extLst>
               <a:ext uri="{FF2B5EF4-FFF2-40B4-BE49-F238E27FC236}">
-                <a16:creationId xmlns:a16="http://schemas.microsoft.com/office/drawing/2014/main" id="{46E75985-9B36-8575-5C91-E1B0BEE1208E}"/>
+                <a16:creationId xmlns:a16="http://schemas.microsoft.com/office/drawing/2014/main" id="{7479C68D-2680-A5D5-57AB-E3ABBAEBEEE2}"/>
               </a:ext>
             </a:extLst>
           </p:cNvPr>
@@ -1949,7 +1949,7 @@
           <a:bodyPr/>
           <a:lstStyle/>
           <a:p>
-            <a:fld id="{31FAEC59-F319-4FAE-99E9-4F6EC4CBD02E}" type="datetimeFigureOut">
+            <a:fld id="{4C0F0EFD-7DD5-4CF4-8838-D33DF90C020D}" type="datetimeFigureOut">
               <a:rPr lang="zh-CN" altLang="en-US" smtClean="0"/>
               <a:t>2024/3/10</a:t>
             </a:fld>
@@ -1962,7 +1962,7 @@
           <p:cNvPr id="4" name="页脚占位符 3">
             <a:extLst>
               <a:ext uri="{FF2B5EF4-FFF2-40B4-BE49-F238E27FC236}">
-                <a16:creationId xmlns:a16="http://schemas.microsoft.com/office/drawing/2014/main" id="{8AC04E49-FBFA-977A-5F41-51D724385881}"/>
+                <a16:creationId xmlns:a16="http://schemas.microsoft.com/office/drawing/2014/main" id="{96AFE4FE-B462-EBBA-513D-3E15C27A6557}"/>
               </a:ext>
             </a:extLst>
           </p:cNvPr>
@@ -1987,7 +1987,7 @@
           <p:cNvPr id="5" name="灯片编号占位符 4">
             <a:extLst>
               <a:ext uri="{FF2B5EF4-FFF2-40B4-BE49-F238E27FC236}">
-                <a16:creationId xmlns:a16="http://schemas.microsoft.com/office/drawing/2014/main" id="{158B0C1D-F8EA-27F7-511C-DF63BB8667BC}"/>
+                <a16:creationId xmlns:a16="http://schemas.microsoft.com/office/drawing/2014/main" id="{9FF729A6-EC32-5CD5-6CAD-55D9658C3501}"/>
               </a:ext>
             </a:extLst>
           </p:cNvPr>
@@ -2003,7 +2003,7 @@
           <a:bodyPr/>
           <a:lstStyle/>
           <a:p>
-            <a:fld id="{22975278-8A36-4E4E-9890-3A05B9181D14}" type="slidenum">
+            <a:fld id="{922D7628-275E-4E26-842C-76CE4DA70223}" type="slidenum">
               <a:rPr lang="zh-CN" altLang="en-US" smtClean="0"/>
               <a:t>‹#›</a:t>
             </a:fld>
@@ -2014,7 +2014,7 @@
     </p:spTree>
     <p:extLst>
       <p:ext uri="{BB962C8B-B14F-4D97-AF65-F5344CB8AC3E}">
-        <p14:creationId xmlns:p14="http://schemas.microsoft.com/office/powerpoint/2010/main" val="4278597440"/>
+        <p14:creationId xmlns:p14="http://schemas.microsoft.com/office/powerpoint/2010/main" val="1444081926"/>
       </p:ext>
     </p:extLst>
   </p:cSld>
@@ -2046,7 +2046,7 @@
           <p:cNvPr id="2" name="日期占位符 1">
             <a:extLst>
               <a:ext uri="{FF2B5EF4-FFF2-40B4-BE49-F238E27FC236}">
-                <a16:creationId xmlns:a16="http://schemas.microsoft.com/office/drawing/2014/main" id="{FFDEAECE-B107-FE27-E441-34DB61D087A8}"/>
+                <a16:creationId xmlns:a16="http://schemas.microsoft.com/office/drawing/2014/main" id="{EC31B015-3C3F-A266-F304-BE76BCEEDCFF}"/>
               </a:ext>
             </a:extLst>
           </p:cNvPr>
@@ -2062,7 +2062,7 @@
           <a:bodyPr/>
           <a:lstStyle/>
           <a:p>
-            <a:fld id="{31FAEC59-F319-4FAE-99E9-4F6EC4CBD02E}" type="datetimeFigureOut">
+            <a:fld id="{4C0F0EFD-7DD5-4CF4-8838-D33DF90C020D}" type="datetimeFigureOut">
               <a:rPr lang="zh-CN" altLang="en-US" smtClean="0"/>
               <a:t>2024/3/10</a:t>
             </a:fld>
@@ -2075,7 +2075,7 @@
           <p:cNvPr id="3" name="页脚占位符 2">
             <a:extLst>
               <a:ext uri="{FF2B5EF4-FFF2-40B4-BE49-F238E27FC236}">
-                <a16:creationId xmlns:a16="http://schemas.microsoft.com/office/drawing/2014/main" id="{BA49E3F2-6B9A-42B0-7144-16E62E4E4817}"/>
+                <a16:creationId xmlns:a16="http://schemas.microsoft.com/office/drawing/2014/main" id="{D5EC231C-7555-628C-1204-0C530FA38914}"/>
               </a:ext>
             </a:extLst>
           </p:cNvPr>
@@ -2100,7 +2100,7 @@
           <p:cNvPr id="4" name="灯片编号占位符 3">
             <a:extLst>
               <a:ext uri="{FF2B5EF4-FFF2-40B4-BE49-F238E27FC236}">
-                <a16:creationId xmlns:a16="http://schemas.microsoft.com/office/drawing/2014/main" id="{41EF66AE-C7EE-33E3-A050-FA18F29CDDFB}"/>
+                <a16:creationId xmlns:a16="http://schemas.microsoft.com/office/drawing/2014/main" id="{0301CD50-4BAF-D04F-6EA5-80DC24A3444B}"/>
               </a:ext>
             </a:extLst>
           </p:cNvPr>
@@ -2116,7 +2116,7 @@
           <a:bodyPr/>
           <a:lstStyle/>
           <a:p>
-            <a:fld id="{22975278-8A36-4E4E-9890-3A05B9181D14}" type="slidenum">
+            <a:fld id="{922D7628-275E-4E26-842C-76CE4DA70223}" type="slidenum">
               <a:rPr lang="zh-CN" altLang="en-US" smtClean="0"/>
               <a:t>‹#›</a:t>
             </a:fld>
@@ -2127,7 +2127,7 @@
     </p:spTree>
     <p:extLst>
       <p:ext uri="{BB962C8B-B14F-4D97-AF65-F5344CB8AC3E}">
-        <p14:creationId xmlns:p14="http://schemas.microsoft.com/office/powerpoint/2010/main" val="632925100"/>
+        <p14:creationId xmlns:p14="http://schemas.microsoft.com/office/powerpoint/2010/main" val="2008412594"/>
       </p:ext>
     </p:extLst>
   </p:cSld>
@@ -2159,7 +2159,7 @@
           <p:cNvPr id="2" name="标题 1">
             <a:extLst>
               <a:ext uri="{FF2B5EF4-FFF2-40B4-BE49-F238E27FC236}">
-                <a16:creationId xmlns:a16="http://schemas.microsoft.com/office/drawing/2014/main" id="{1D0BF2B5-D875-904F-5ABD-08AFBCF33A67}"/>
+                <a16:creationId xmlns:a16="http://schemas.microsoft.com/office/drawing/2014/main" id="{5E4601B6-8CA2-9A04-0696-8B0B1873263C}"/>
               </a:ext>
             </a:extLst>
           </p:cNvPr>
@@ -2196,7 +2196,7 @@
           <p:cNvPr id="3" name="内容占位符 2">
             <a:extLst>
               <a:ext uri="{FF2B5EF4-FFF2-40B4-BE49-F238E27FC236}">
-                <a16:creationId xmlns:a16="http://schemas.microsoft.com/office/drawing/2014/main" id="{326D1C5C-92CC-2A6C-BE75-13927C7B6C6E}"/>
+                <a16:creationId xmlns:a16="http://schemas.microsoft.com/office/drawing/2014/main" id="{4A4D6FB0-D582-A0DE-2CA1-09CDEFD3D0EA}"/>
               </a:ext>
             </a:extLst>
           </p:cNvPr>
@@ -2286,7 +2286,7 @@
           <p:cNvPr id="4" name="文本占位符 3">
             <a:extLst>
               <a:ext uri="{FF2B5EF4-FFF2-40B4-BE49-F238E27FC236}">
-                <a16:creationId xmlns:a16="http://schemas.microsoft.com/office/drawing/2014/main" id="{6286D66E-E8AA-1F8D-41BB-55F7CBE01DE9}"/>
+                <a16:creationId xmlns:a16="http://schemas.microsoft.com/office/drawing/2014/main" id="{1DB1484C-8159-B515-AF61-717B84F4C582}"/>
               </a:ext>
             </a:extLst>
           </p:cNvPr>
@@ -2357,7 +2357,7 @@
           <p:cNvPr id="5" name="日期占位符 4">
             <a:extLst>
               <a:ext uri="{FF2B5EF4-FFF2-40B4-BE49-F238E27FC236}">
-                <a16:creationId xmlns:a16="http://schemas.microsoft.com/office/drawing/2014/main" id="{EB91F40B-89F4-A516-76B2-20510F03A9EE}"/>
+                <a16:creationId xmlns:a16="http://schemas.microsoft.com/office/drawing/2014/main" id="{2FBE7721-B31A-59DF-0C43-DD26F98C83D6}"/>
               </a:ext>
             </a:extLst>
           </p:cNvPr>
@@ -2373,7 +2373,7 @@
           <a:bodyPr/>
           <a:lstStyle/>
           <a:p>
-            <a:fld id="{31FAEC59-F319-4FAE-99E9-4F6EC4CBD02E}" type="datetimeFigureOut">
+            <a:fld id="{4C0F0EFD-7DD5-4CF4-8838-D33DF90C020D}" type="datetimeFigureOut">
               <a:rPr lang="zh-CN" altLang="en-US" smtClean="0"/>
               <a:t>2024/3/10</a:t>
             </a:fld>
@@ -2386,7 +2386,7 @@
           <p:cNvPr id="6" name="页脚占位符 5">
             <a:extLst>
               <a:ext uri="{FF2B5EF4-FFF2-40B4-BE49-F238E27FC236}">
-                <a16:creationId xmlns:a16="http://schemas.microsoft.com/office/drawing/2014/main" id="{805C0EC2-76AE-BCB0-1767-43EFA9B1DA9A}"/>
+                <a16:creationId xmlns:a16="http://schemas.microsoft.com/office/drawing/2014/main" id="{26F1D035-34D0-0822-B534-1C237827550E}"/>
               </a:ext>
             </a:extLst>
           </p:cNvPr>
@@ -2411,7 +2411,7 @@
           <p:cNvPr id="7" name="灯片编号占位符 6">
             <a:extLst>
               <a:ext uri="{FF2B5EF4-FFF2-40B4-BE49-F238E27FC236}">
-                <a16:creationId xmlns:a16="http://schemas.microsoft.com/office/drawing/2014/main" id="{24A8233D-A52E-A6C7-FDEE-59069F210889}"/>
+                <a16:creationId xmlns:a16="http://schemas.microsoft.com/office/drawing/2014/main" id="{E7A87B9E-A903-3BE0-2CF7-406283AE9FAA}"/>
               </a:ext>
             </a:extLst>
           </p:cNvPr>
@@ -2427,7 +2427,7 @@
           <a:bodyPr/>
           <a:lstStyle/>
           <a:p>
-            <a:fld id="{22975278-8A36-4E4E-9890-3A05B9181D14}" type="slidenum">
+            <a:fld id="{922D7628-275E-4E26-842C-76CE4DA70223}" type="slidenum">
               <a:rPr lang="zh-CN" altLang="en-US" smtClean="0"/>
               <a:t>‹#›</a:t>
             </a:fld>
@@ -2438,7 +2438,7 @@
     </p:spTree>
     <p:extLst>
       <p:ext uri="{BB962C8B-B14F-4D97-AF65-F5344CB8AC3E}">
-        <p14:creationId xmlns:p14="http://schemas.microsoft.com/office/powerpoint/2010/main" val="4004391457"/>
+        <p14:creationId xmlns:p14="http://schemas.microsoft.com/office/powerpoint/2010/main" val="3169825457"/>
       </p:ext>
     </p:extLst>
   </p:cSld>
@@ -2470,7 +2470,7 @@
           <p:cNvPr id="2" name="标题 1">
             <a:extLst>
               <a:ext uri="{FF2B5EF4-FFF2-40B4-BE49-F238E27FC236}">
-                <a16:creationId xmlns:a16="http://schemas.microsoft.com/office/drawing/2014/main" id="{BF801058-3504-DE03-64FD-CFE7B361BAF1}"/>
+                <a16:creationId xmlns:a16="http://schemas.microsoft.com/office/drawing/2014/main" id="{04ACDD78-F8C8-8C1C-335C-3DFD64FFA380}"/>
               </a:ext>
             </a:extLst>
           </p:cNvPr>
@@ -2507,7 +2507,7 @@
           <p:cNvPr id="3" name="图片占位符 2">
             <a:extLst>
               <a:ext uri="{FF2B5EF4-FFF2-40B4-BE49-F238E27FC236}">
-                <a16:creationId xmlns:a16="http://schemas.microsoft.com/office/drawing/2014/main" id="{68B61223-D20A-89FC-3B43-70F9F3C57830}"/>
+                <a16:creationId xmlns:a16="http://schemas.microsoft.com/office/drawing/2014/main" id="{458EF7F4-9947-6F19-3142-B32323D1C57E}"/>
               </a:ext>
             </a:extLst>
           </p:cNvPr>
@@ -2574,7 +2574,7 @@
           <p:cNvPr id="4" name="文本占位符 3">
             <a:extLst>
               <a:ext uri="{FF2B5EF4-FFF2-40B4-BE49-F238E27FC236}">
-                <a16:creationId xmlns:a16="http://schemas.microsoft.com/office/drawing/2014/main" id="{F847543B-3D1D-D7B3-C667-10EC45BAD56E}"/>
+                <a16:creationId xmlns:a16="http://schemas.microsoft.com/office/drawing/2014/main" id="{FB2ED537-B3FB-7865-E5F5-0C76D1E82030}"/>
               </a:ext>
             </a:extLst>
           </p:cNvPr>
@@ -2645,7 +2645,7 @@
           <p:cNvPr id="5" name="日期占位符 4">
             <a:extLst>
               <a:ext uri="{FF2B5EF4-FFF2-40B4-BE49-F238E27FC236}">
-                <a16:creationId xmlns:a16="http://schemas.microsoft.com/office/drawing/2014/main" id="{EE306193-A723-D296-51D9-FC4C26817349}"/>
+                <a16:creationId xmlns:a16="http://schemas.microsoft.com/office/drawing/2014/main" id="{6D283492-E0BB-F1E3-4E9F-917CD586A185}"/>
               </a:ext>
             </a:extLst>
           </p:cNvPr>
@@ -2661,7 +2661,7 @@
           <a:bodyPr/>
           <a:lstStyle/>
           <a:p>
-            <a:fld id="{31FAEC59-F319-4FAE-99E9-4F6EC4CBD02E}" type="datetimeFigureOut">
+            <a:fld id="{4C0F0EFD-7DD5-4CF4-8838-D33DF90C020D}" type="datetimeFigureOut">
               <a:rPr lang="zh-CN" altLang="en-US" smtClean="0"/>
               <a:t>2024/3/10</a:t>
             </a:fld>
@@ -2674,7 +2674,7 @@
           <p:cNvPr id="6" name="页脚占位符 5">
             <a:extLst>
               <a:ext uri="{FF2B5EF4-FFF2-40B4-BE49-F238E27FC236}">
-                <a16:creationId xmlns:a16="http://schemas.microsoft.com/office/drawing/2014/main" id="{4825BCC5-9A64-6809-4029-9E1934447067}"/>
+                <a16:creationId xmlns:a16="http://schemas.microsoft.com/office/drawing/2014/main" id="{2A92823A-9612-2023-4364-DE097B9D251A}"/>
               </a:ext>
             </a:extLst>
           </p:cNvPr>
@@ -2699,7 +2699,7 @@
           <p:cNvPr id="7" name="灯片编号占位符 6">
             <a:extLst>
               <a:ext uri="{FF2B5EF4-FFF2-40B4-BE49-F238E27FC236}">
-                <a16:creationId xmlns:a16="http://schemas.microsoft.com/office/drawing/2014/main" id="{F2E48D86-2E31-C3A1-0C56-69586A3E97B2}"/>
+                <a16:creationId xmlns:a16="http://schemas.microsoft.com/office/drawing/2014/main" id="{8EB0481B-6108-0798-28EC-99B3ED82768C}"/>
               </a:ext>
             </a:extLst>
           </p:cNvPr>
@@ -2715,7 +2715,7 @@
           <a:bodyPr/>
           <a:lstStyle/>
           <a:p>
-            <a:fld id="{22975278-8A36-4E4E-9890-3A05B9181D14}" type="slidenum">
+            <a:fld id="{922D7628-275E-4E26-842C-76CE4DA70223}" type="slidenum">
               <a:rPr lang="zh-CN" altLang="en-US" smtClean="0"/>
               <a:t>‹#›</a:t>
             </a:fld>
@@ -2726,7 +2726,7 @@
     </p:spTree>
     <p:extLst>
       <p:ext uri="{BB962C8B-B14F-4D97-AF65-F5344CB8AC3E}">
-        <p14:creationId xmlns:p14="http://schemas.microsoft.com/office/powerpoint/2010/main" val="3368774620"/>
+        <p14:creationId xmlns:p14="http://schemas.microsoft.com/office/powerpoint/2010/main" val="799685951"/>
       </p:ext>
     </p:extLst>
   </p:cSld>
@@ -2763,7 +2763,7 @@
           <p:cNvPr id="2" name="标题占位符 1">
             <a:extLst>
               <a:ext uri="{FF2B5EF4-FFF2-40B4-BE49-F238E27FC236}">
-                <a16:creationId xmlns:a16="http://schemas.microsoft.com/office/drawing/2014/main" id="{FE3A73EB-B32A-7615-A45E-167DE3C58DDA}"/>
+                <a16:creationId xmlns:a16="http://schemas.microsoft.com/office/drawing/2014/main" id="{6404FB6A-0D4E-63F2-2C5A-D0D76EFE9DE4}"/>
               </a:ext>
             </a:extLst>
           </p:cNvPr>
@@ -2801,7 +2801,7 @@
           <p:cNvPr id="3" name="文本占位符 2">
             <a:extLst>
               <a:ext uri="{FF2B5EF4-FFF2-40B4-BE49-F238E27FC236}">
-                <a16:creationId xmlns:a16="http://schemas.microsoft.com/office/drawing/2014/main" id="{9ED7E7E2-C1B2-461D-BADE-139AFF3D11F2}"/>
+                <a16:creationId xmlns:a16="http://schemas.microsoft.com/office/drawing/2014/main" id="{B672E5E3-0885-E2A1-E7B3-AA4D2C8AB95C}"/>
               </a:ext>
             </a:extLst>
           </p:cNvPr>
@@ -2868,7 +2868,7 @@
           <p:cNvPr id="4" name="日期占位符 3">
             <a:extLst>
               <a:ext uri="{FF2B5EF4-FFF2-40B4-BE49-F238E27FC236}">
-                <a16:creationId xmlns:a16="http://schemas.microsoft.com/office/drawing/2014/main" id="{F1205A4B-8009-16FC-BC5A-60ED49A027A4}"/>
+                <a16:creationId xmlns:a16="http://schemas.microsoft.com/office/drawing/2014/main" id="{EF2AB896-D74E-DDB3-D673-43B1EEAED65E}"/>
               </a:ext>
             </a:extLst>
           </p:cNvPr>
@@ -2902,7 +2902,7 @@
             </a:lvl1pPr>
           </a:lstStyle>
           <a:p>
-            <a:fld id="{31FAEC59-F319-4FAE-99E9-4F6EC4CBD02E}" type="datetimeFigureOut">
+            <a:fld id="{4C0F0EFD-7DD5-4CF4-8838-D33DF90C020D}" type="datetimeFigureOut">
               <a:rPr lang="zh-CN" altLang="en-US" smtClean="0"/>
               <a:t>2024/3/10</a:t>
             </a:fld>
@@ -2915,7 +2915,7 @@
           <p:cNvPr id="5" name="页脚占位符 4">
             <a:extLst>
               <a:ext uri="{FF2B5EF4-FFF2-40B4-BE49-F238E27FC236}">
-                <a16:creationId xmlns:a16="http://schemas.microsoft.com/office/drawing/2014/main" id="{578FD384-DCA4-DC6C-2AF6-556C08CC4253}"/>
+                <a16:creationId xmlns:a16="http://schemas.microsoft.com/office/drawing/2014/main" id="{5D4C9808-4B72-482A-E93C-3C3AC58E3465}"/>
               </a:ext>
             </a:extLst>
           </p:cNvPr>
@@ -2958,7 +2958,7 @@
           <p:cNvPr id="6" name="灯片编号占位符 5">
             <a:extLst>
               <a:ext uri="{FF2B5EF4-FFF2-40B4-BE49-F238E27FC236}">
-                <a16:creationId xmlns:a16="http://schemas.microsoft.com/office/drawing/2014/main" id="{3DAC3C36-5C3F-6545-BE42-9CE97C076246}"/>
+                <a16:creationId xmlns:a16="http://schemas.microsoft.com/office/drawing/2014/main" id="{3E8ACC71-E310-2E2E-AD2E-B56FC5FCB9A7}"/>
               </a:ext>
             </a:extLst>
           </p:cNvPr>
@@ -2992,7 +2992,7 @@
             </a:lvl1pPr>
           </a:lstStyle>
           <a:p>
-            <a:fld id="{22975278-8A36-4E4E-9890-3A05B9181D14}" type="slidenum">
+            <a:fld id="{922D7628-275E-4E26-842C-76CE4DA70223}" type="slidenum">
               <a:rPr lang="zh-CN" altLang="en-US" smtClean="0"/>
               <a:t>‹#›</a:t>
             </a:fld>
@@ -3003,7 +3003,7 @@
     </p:spTree>
     <p:extLst>
       <p:ext uri="{BB962C8B-B14F-4D97-AF65-F5344CB8AC3E}">
-        <p14:creationId xmlns:p14="http://schemas.microsoft.com/office/powerpoint/2010/main" val="1154767257"/>
+        <p14:creationId xmlns:p14="http://schemas.microsoft.com/office/powerpoint/2010/main" val="3081686164"/>
       </p:ext>
     </p:extLst>
   </p:cSld>
@@ -3323,7 +3323,7 @@
       </p:grpSpPr>
       <p:pic>
         <p:nvPicPr>
-          <p:cNvPr id="643074" name="Picture 2" descr="627"/>
+          <p:cNvPr id="644098" name="Picture 2" descr="628"/>
           <p:cNvPicPr>
             <a:picLocks noChangeAspect="1" noChangeArrowheads="1"/>
           </p:cNvPicPr>
@@ -3344,8 +3344,8 @@
         </p:blipFill>
         <p:spPr bwMode="auto">
           <a:xfrm>
-            <a:off x="1524000" y="0"/>
-            <a:ext cx="9144000" cy="6858000"/>
+            <a:off x="1524000" y="1"/>
+            <a:ext cx="9144000" cy="5876925"/>
           </a:xfrm>
           <a:prstGeom prst="rect">
             <a:avLst/>
